--- a/PosterPowerPointTemplate48x36.pptx
+++ b/PosterPowerPointTemplate48x36.pptx
@@ -305,7 +305,7 @@
             <a:fld id="{D9D26CB9-01E4-44B8-8084-BCC418CF4A2D}" type="datetimeFigureOut">
               <a:rPr lang="en-US" smtClean="0"/>
               <a:pPr/>
-              <a:t>2/8/2014</a:t>
+              <a:t>5/14/2014</a:t>
             </a:fld>
             <a:endParaRPr lang="en-US"/>
           </a:p>
@@ -472,7 +472,7 @@
             <a:fld id="{D9D26CB9-01E4-44B8-8084-BCC418CF4A2D}" type="datetimeFigureOut">
               <a:rPr lang="en-US" smtClean="0"/>
               <a:pPr/>
-              <a:t>2/8/2014</a:t>
+              <a:t>5/14/2014</a:t>
             </a:fld>
             <a:endParaRPr lang="en-US"/>
           </a:p>
@@ -649,7 +649,7 @@
             <a:fld id="{D9D26CB9-01E4-44B8-8084-BCC418CF4A2D}" type="datetimeFigureOut">
               <a:rPr lang="en-US" smtClean="0"/>
               <a:pPr/>
-              <a:t>2/8/2014</a:t>
+              <a:t>5/14/2014</a:t>
             </a:fld>
             <a:endParaRPr lang="en-US"/>
           </a:p>
@@ -816,7 +816,7 @@
             <a:fld id="{D9D26CB9-01E4-44B8-8084-BCC418CF4A2D}" type="datetimeFigureOut">
               <a:rPr lang="en-US" smtClean="0"/>
               <a:pPr/>
-              <a:t>2/8/2014</a:t>
+              <a:t>5/14/2014</a:t>
             </a:fld>
             <a:endParaRPr lang="en-US"/>
           </a:p>
@@ -1059,7 +1059,7 @@
             <a:fld id="{D9D26CB9-01E4-44B8-8084-BCC418CF4A2D}" type="datetimeFigureOut">
               <a:rPr lang="en-US" smtClean="0"/>
               <a:pPr/>
-              <a:t>2/8/2014</a:t>
+              <a:t>5/14/2014</a:t>
             </a:fld>
             <a:endParaRPr lang="en-US"/>
           </a:p>
@@ -1344,7 +1344,7 @@
             <a:fld id="{D9D26CB9-01E4-44B8-8084-BCC418CF4A2D}" type="datetimeFigureOut">
               <a:rPr lang="en-US" smtClean="0"/>
               <a:pPr/>
-              <a:t>2/8/2014</a:t>
+              <a:t>5/14/2014</a:t>
             </a:fld>
             <a:endParaRPr lang="en-US"/>
           </a:p>
@@ -1763,7 +1763,7 @@
             <a:fld id="{D9D26CB9-01E4-44B8-8084-BCC418CF4A2D}" type="datetimeFigureOut">
               <a:rPr lang="en-US" smtClean="0"/>
               <a:pPr/>
-              <a:t>2/8/2014</a:t>
+              <a:t>5/14/2014</a:t>
             </a:fld>
             <a:endParaRPr lang="en-US"/>
           </a:p>
@@ -1878,7 +1878,7 @@
             <a:fld id="{D9D26CB9-01E4-44B8-8084-BCC418CF4A2D}" type="datetimeFigureOut">
               <a:rPr lang="en-US" smtClean="0"/>
               <a:pPr/>
-              <a:t>2/8/2014</a:t>
+              <a:t>5/14/2014</a:t>
             </a:fld>
             <a:endParaRPr lang="en-US"/>
           </a:p>
@@ -1970,7 +1970,7 @@
             <a:fld id="{D9D26CB9-01E4-44B8-8084-BCC418CF4A2D}" type="datetimeFigureOut">
               <a:rPr lang="en-US" smtClean="0"/>
               <a:pPr/>
-              <a:t>2/8/2014</a:t>
+              <a:t>5/14/2014</a:t>
             </a:fld>
             <a:endParaRPr lang="en-US"/>
           </a:p>
@@ -2244,7 +2244,7 @@
             <a:fld id="{D9D26CB9-01E4-44B8-8084-BCC418CF4A2D}" type="datetimeFigureOut">
               <a:rPr lang="en-US" smtClean="0"/>
               <a:pPr/>
-              <a:t>2/8/2014</a:t>
+              <a:t>5/14/2014</a:t>
             </a:fld>
             <a:endParaRPr lang="en-US"/>
           </a:p>
@@ -2494,7 +2494,7 @@
             <a:fld id="{D9D26CB9-01E4-44B8-8084-BCC418CF4A2D}" type="datetimeFigureOut">
               <a:rPr lang="en-US" smtClean="0"/>
               <a:pPr/>
-              <a:t>2/8/2014</a:t>
+              <a:t>5/14/2014</a:t>
             </a:fld>
             <a:endParaRPr lang="en-US"/>
           </a:p>
@@ -2704,7 +2704,7 @@
             <a:fld id="{D9D26CB9-01E4-44B8-8084-BCC418CF4A2D}" type="datetimeFigureOut">
               <a:rPr lang="en-US" smtClean="0"/>
               <a:pPr/>
-              <a:t>2/8/2014</a:t>
+              <a:t>5/14/2014</a:t>
             </a:fld>
             <a:endParaRPr lang="en-US"/>
           </a:p>
@@ -3166,22 +3166,28 @@
       </p:sp>
       <p:pic>
         <p:nvPicPr>
-          <p:cNvPr id="6" name="Picture 5" descr="wafer.gif"/>
+          <p:cNvPr id="6" name="Picture 5"/>
           <p:cNvPicPr>
             <a:picLocks noChangeAspect="1"/>
           </p:cNvPicPr>
           <p:nvPr/>
         </p:nvPicPr>
         <p:blipFill>
-          <a:blip r:embed="rId3"/>
+          <a:blip r:embed="rId3" cstate="print">
+            <a:extLst>
+              <a:ext uri="{28A0092B-C50C-407E-A947-70E740481C1C}">
+                <a14:useLocalDpi xmlns:a14="http://schemas.microsoft.com/office/drawing/2010/main" val="0"/>
+              </a:ext>
+            </a:extLst>
+          </a:blip>
           <a:stretch>
             <a:fillRect/>
           </a:stretch>
         </p:blipFill>
         <p:spPr>
           <a:xfrm>
-            <a:off x="1698173" y="5200650"/>
-            <a:ext cx="15923556" cy="8915400"/>
+            <a:off x="3000918" y="5200650"/>
+            <a:ext cx="13318066" cy="8915400"/>
           </a:xfrm>
           <a:prstGeom prst="rect">
             <a:avLst/>
@@ -3202,7 +3208,7 @@
         <p:spPr>
           <a:xfrm>
             <a:off x="18353314" y="5257801"/>
-            <a:ext cx="13454743" cy="8247368"/>
+            <a:ext cx="13454743" cy="6768703"/>
           </a:xfrm>
           <a:prstGeom prst="rect">
             <a:avLst/>
@@ -3222,38 +3228,67 @@
               <a:rPr lang="en-US" dirty="0" smtClean="0">
                 <a:latin typeface="Verdana" pitchFamily="34" charset="0"/>
               </a:rPr>
-              <a:t>Text Box</a:t>
-            </a:r>
-          </a:p>
-          <a:p>
-            <a:pPr algn="just"/>
+              <a:t>Solution:</a:t>
+            </a:r>
+          </a:p>
+          <a:p>
             <a:r>
               <a:rPr lang="en-US" dirty="0" smtClean="0">
                 <a:latin typeface="Verdana" pitchFamily="34" charset="0"/>
               </a:rPr>
-              <a:t>Note: Although this example font is quite large for this example,  24 size font would work best in the text boxes.</a:t>
-            </a:r>
+              <a:t>Software that does this</a:t>
+            </a:r>
+          </a:p>
+          <a:p>
+            <a:r>
+              <a:rPr lang="en-US" dirty="0" smtClean="0">
+                <a:latin typeface="Verdana" pitchFamily="34" charset="0"/>
+              </a:rPr>
+              <a:t>Lite version </a:t>
+            </a:r>
+          </a:p>
+          <a:p>
+            <a:endParaRPr lang="en-US" dirty="0">
+              <a:latin typeface="Verdana" pitchFamily="34" charset="0"/>
+            </a:endParaRPr>
+          </a:p>
+          <a:p>
+            <a:r>
+              <a:rPr lang="en-US" smtClean="0">
+                <a:latin typeface="Verdana" pitchFamily="34" charset="0"/>
+              </a:rPr>
+              <a:t>Extra talk</a:t>
+            </a:r>
+            <a:endParaRPr lang="en-US" dirty="0" smtClean="0">
+              <a:latin typeface="Verdana" pitchFamily="34" charset="0"/>
+            </a:endParaRPr>
           </a:p>
         </p:txBody>
       </p:sp>
       <p:pic>
         <p:nvPicPr>
-          <p:cNvPr id="8" name="Picture 7" descr="wafer.gif"/>
+          <p:cNvPr id="8" name="Picture 7"/>
           <p:cNvPicPr>
             <a:picLocks noChangeAspect="1"/>
           </p:cNvPicPr>
           <p:nvPr/>
         </p:nvPicPr>
         <p:blipFill>
-          <a:blip r:embed="rId3"/>
+          <a:blip r:embed="rId4" cstate="print">
+            <a:extLst>
+              <a:ext uri="{28A0092B-C50C-407E-A947-70E740481C1C}">
+                <a14:useLocalDpi xmlns:a14="http://schemas.microsoft.com/office/drawing/2010/main" val="0"/>
+              </a:ext>
+            </a:extLst>
+          </a:blip>
           <a:stretch>
             <a:fillRect/>
           </a:stretch>
         </p:blipFill>
         <p:spPr>
           <a:xfrm>
-            <a:off x="32657144" y="6915150"/>
-            <a:ext cx="10175900" cy="5715000"/>
+            <a:off x="33427943" y="6800850"/>
+            <a:ext cx="8537222" cy="5715000"/>
           </a:xfrm>
           <a:prstGeom prst="rect">
             <a:avLst/>
@@ -3267,22 +3302,28 @@
       </p:pic>
       <p:pic>
         <p:nvPicPr>
-          <p:cNvPr id="9" name="Picture 8" descr="wafer.gif"/>
+          <p:cNvPr id="9" name="Picture 8"/>
           <p:cNvPicPr>
             <a:picLocks noChangeAspect="1"/>
           </p:cNvPicPr>
           <p:nvPr/>
         </p:nvPicPr>
         <p:blipFill>
-          <a:blip r:embed="rId3"/>
+          <a:blip r:embed="rId5" cstate="print">
+            <a:extLst>
+              <a:ext uri="{28A0092B-C50C-407E-A947-70E740481C1C}">
+                <a14:useLocalDpi xmlns:a14="http://schemas.microsoft.com/office/drawing/2010/main" val="0"/>
+              </a:ext>
+            </a:extLst>
+          </a:blip>
           <a:stretch>
             <a:fillRect/>
           </a:stretch>
         </p:blipFill>
         <p:spPr>
           <a:xfrm>
-            <a:off x="32696728" y="13716000"/>
-            <a:ext cx="10207408" cy="5715000"/>
+            <a:off x="33862012" y="20718795"/>
+            <a:ext cx="8537222" cy="5715000"/>
           </a:xfrm>
           <a:prstGeom prst="rect">
             <a:avLst/>
@@ -3303,7 +3344,7 @@
         <p:spPr>
           <a:xfrm>
             <a:off x="1763486" y="14916150"/>
-            <a:ext cx="15806057" cy="13695012"/>
+            <a:ext cx="15806057" cy="6768703"/>
           </a:xfrm>
           <a:prstGeom prst="rect">
             <a:avLst/>
@@ -3323,17 +3364,42 @@
               <a:rPr lang="en-US" dirty="0" smtClean="0">
                 <a:latin typeface="Verdana" pitchFamily="34" charset="0"/>
               </a:rPr>
-              <a:t>Text Box</a:t>
-            </a:r>
-          </a:p>
-          <a:p>
-            <a:pPr algn="just"/>
+              <a:t>Description of the project to </a:t>
+            </a:r>
+            <a:r>
+              <a:rPr lang="en-US" dirty="0" err="1" smtClean="0">
+                <a:latin typeface="Verdana" pitchFamily="34" charset="0"/>
+              </a:rPr>
+              <a:t>atomate</a:t>
+            </a:r>
             <a:r>
               <a:rPr lang="en-US" dirty="0" smtClean="0">
                 <a:latin typeface="Verdana" pitchFamily="34" charset="0"/>
               </a:rPr>
-              <a:t>Note: There needs to be at least a 1” border around the edge of the poster for mounting purposes.  Leave the white border on the bottom as is – the department, college and University name need to be there.</a:t>
-            </a:r>
+              <a:t> a hand system, eliminate human error</a:t>
+            </a:r>
+          </a:p>
+          <a:p>
+            <a:endParaRPr lang="en-US" dirty="0">
+              <a:latin typeface="Verdana" pitchFamily="34" charset="0"/>
+            </a:endParaRPr>
+          </a:p>
+          <a:p>
+            <a:r>
+              <a:rPr lang="en-US" dirty="0" smtClean="0">
+                <a:latin typeface="Verdana" pitchFamily="34" charset="0"/>
+              </a:rPr>
+              <a:t>Talk about sensitivity of </a:t>
+            </a:r>
+            <a:r>
+              <a:rPr lang="en-US" dirty="0" err="1" smtClean="0">
+                <a:latin typeface="Verdana" pitchFamily="34" charset="0"/>
+              </a:rPr>
+              <a:t>db</a:t>
+            </a:r>
+            <a:endParaRPr lang="en-US" dirty="0" smtClean="0">
+              <a:latin typeface="Verdana" pitchFamily="34" charset="0"/>
+            </a:endParaRPr>
           </a:p>
         </p:txBody>
       </p:sp>
@@ -3513,7 +3579,16 @@
                 </a:solidFill>
                 <a:latin typeface="Garamond" pitchFamily="18" charset="0"/>
               </a:rPr>
-              <a:t>Capstone Project Title</a:t>
+              <a:t>Capstone </a:t>
+            </a:r>
+            <a:r>
+              <a:rPr lang="en-US" sz="19000" b="1" dirty="0" err="1" smtClean="0">
+                <a:solidFill>
+                  <a:srgbClr val="6A7F10"/>
+                </a:solidFill>
+                <a:latin typeface="Garamond" pitchFamily="18" charset="0"/>
+              </a:rPr>
+              <a:t>SpeechESPI</a:t>
             </a:r>
             <a:endParaRPr lang="en-US" sz="19000" b="1" dirty="0">
               <a:solidFill>
@@ -3524,35 +3599,6 @@
           </a:p>
         </p:txBody>
       </p:sp>
-      <p:pic>
-        <p:nvPicPr>
-          <p:cNvPr id="17" name="Picture 16" descr="wafer.gif"/>
-          <p:cNvPicPr>
-            <a:picLocks noChangeAspect="1"/>
-          </p:cNvPicPr>
-          <p:nvPr/>
-        </p:nvPicPr>
-        <p:blipFill>
-          <a:blip r:embed="rId3"/>
-          <a:stretch>
-            <a:fillRect/>
-          </a:stretch>
-        </p:blipFill>
-        <p:spPr>
-          <a:xfrm>
-            <a:off x="32807564" y="20574000"/>
-            <a:ext cx="10207408" cy="5715000"/>
-          </a:xfrm>
-          <a:prstGeom prst="rect">
-            <a:avLst/>
-          </a:prstGeom>
-          <a:ln>
-            <a:solidFill>
-              <a:srgbClr val="00759A"/>
-            </a:solidFill>
-          </a:ln>
-        </p:spPr>
-      </p:pic>
       <p:sp>
         <p:nvSpPr>
           <p:cNvPr id="19" name="TextBox 18"/>
@@ -3562,7 +3608,7 @@
         <p:spPr>
           <a:xfrm>
             <a:off x="18620509" y="15201900"/>
-            <a:ext cx="12857018" cy="11033790"/>
+            <a:ext cx="12857018" cy="10846686"/>
           </a:xfrm>
           <a:prstGeom prst="rect">
             <a:avLst/>
@@ -3584,27 +3630,87 @@
               <a:rPr lang="en-US" dirty="0" smtClean="0">
                 <a:latin typeface="Verdana" pitchFamily="34" charset="0"/>
               </a:rPr>
-              <a:t>Text Box</a:t>
-            </a:r>
-          </a:p>
-          <a:p>
-            <a:r>
-              <a:rPr lang="en-US" dirty="0" smtClean="0">
-                <a:latin typeface="Verdana" pitchFamily="34" charset="0"/>
-              </a:rPr>
-              <a:t>Note: You  can add a border to a text box to accent it by right clicking on it &gt; format shape &gt; line color.  Then choose the color you like.</a:t>
-            </a:r>
+              <a:t>Flow chart will go here</a:t>
+            </a:r>
+          </a:p>
+          <a:p>
             <a:endParaRPr lang="en-US" dirty="0">
               <a:latin typeface="Verdana" pitchFamily="34" charset="0"/>
             </a:endParaRPr>
           </a:p>
-        </p:txBody>
-      </p:sp>
+          <a:p>
+            <a:endParaRPr lang="en-US" dirty="0" smtClean="0">
+              <a:latin typeface="Verdana" pitchFamily="34" charset="0"/>
+            </a:endParaRPr>
+          </a:p>
+          <a:p>
+            <a:endParaRPr lang="en-US" dirty="0">
+              <a:latin typeface="Verdana" pitchFamily="34" charset="0"/>
+            </a:endParaRPr>
+          </a:p>
+          <a:p>
+            <a:endParaRPr lang="en-US" dirty="0" smtClean="0">
+              <a:latin typeface="Verdana" pitchFamily="34" charset="0"/>
+            </a:endParaRPr>
+          </a:p>
+          <a:p>
+            <a:endParaRPr lang="en-US" dirty="0">
+              <a:latin typeface="Verdana" pitchFamily="34" charset="0"/>
+            </a:endParaRPr>
+          </a:p>
+          <a:p>
+            <a:endParaRPr lang="en-US" dirty="0" smtClean="0">
+              <a:latin typeface="Verdana" pitchFamily="34" charset="0"/>
+            </a:endParaRPr>
+          </a:p>
+          <a:p>
+            <a:endParaRPr lang="en-US" dirty="0">
+              <a:latin typeface="Verdana" pitchFamily="34" charset="0"/>
+            </a:endParaRPr>
+          </a:p>
+        </p:txBody>
+      </p:sp>
+      <p:pic>
+        <p:nvPicPr>
+          <p:cNvPr id="18" name="Picture 17"/>
+          <p:cNvPicPr/>
+          <p:nvPr/>
+        </p:nvPicPr>
+        <p:blipFill rotWithShape="1">
+          <a:blip r:embed="rId6"/>
+          <a:srcRect l="32549" t="32031" r="44373" b="39723"/>
+          <a:stretch/>
+        </p:blipFill>
+        <p:spPr bwMode="auto">
+          <a:xfrm>
+            <a:off x="33155176" y="13531222"/>
+            <a:ext cx="9429740" cy="6286500"/>
+          </a:xfrm>
+          <a:prstGeom prst="rect">
+            <a:avLst/>
+          </a:prstGeom>
+          <a:ln>
+            <a:noFill/>
+          </a:ln>
+          <a:extLst>
+            <a:ext uri="{53640926-AAD7-44D8-BBD7-CCE9431645EC}">
+              <a14:shadowObscured xmlns:a14="http://schemas.microsoft.com/office/drawing/2010/main"/>
+            </a:ext>
+          </a:extLst>
+        </p:spPr>
+      </p:pic>
     </p:spTree>
   </p:cSld>
   <p:clrMapOvr>
     <a:masterClrMapping/>
   </p:clrMapOvr>
+  <p:timing>
+    <p:tnLst>
+      <p:par>
+        <p:cTn id="1" dur="indefinite" restart="never" nodeType="tmRoot"/>
+      </p:par>
+    </p:tnLst>
+  </p:timing>
 </p:sld>
 </file>
 
